--- a/Pré-projeto bigDVarejoPMC.pptx
+++ b/Pré-projeto bigDVarejoPMC.pptx
@@ -3065,7 +3065,7 @@
               <a:t>, PMC significa Pesquisa Mensal de Comércio, diz respeito a </a:t>
             </a:r>
             <a:r>
-              <a:rPr lang="pt-BR" sz="2400" dirty="0">
+              <a:rPr lang="pt-BR" sz="2400" b="1" u="sng" dirty="0">
                 <a:solidFill>
                   <a:srgbClr val="FF0000"/>
                 </a:solidFill>
@@ -3076,7 +3076,7 @@
               <a:t>uma parte de um projeto maior o </a:t>
             </a:r>
             <a:r>
-              <a:rPr lang="pt-BR" sz="2400" dirty="0" err="1" smtClean="0">
+              <a:rPr lang="pt-BR" sz="2400" b="1" u="sng" dirty="0" err="1" smtClean="0">
                 <a:solidFill>
                   <a:srgbClr val="FF0000"/>
                 </a:solidFill>
@@ -3087,6 +3087,17 @@
               <a:t>bigDVarejo</a:t>
             </a:r>
             <a:r>
+              <a:rPr lang="pt-BR" sz="2400" b="1" dirty="0" smtClean="0">
+                <a:solidFill>
+                  <a:srgbClr val="FF0000"/>
+                </a:solidFill>
+                <a:latin typeface="Calibri" panose="020F0502020204030204" pitchFamily="34" charset="0"/>
+                <a:ea typeface="Calibri" panose="020F0502020204030204" pitchFamily="34" charset="0"/>
+                <a:cs typeface="Times New Roman" panose="02020603050405020304" pitchFamily="18" charset="0"/>
+              </a:rPr>
+              <a:t> </a:t>
+            </a:r>
+            <a:r>
               <a:rPr lang="pt-BR" sz="2400" dirty="0" smtClean="0">
                 <a:solidFill>
                   <a:srgbClr val="FF0000"/>
@@ -3095,9 +3106,13 @@
                 <a:ea typeface="Calibri" panose="020F0502020204030204" pitchFamily="34" charset="0"/>
                 <a:cs typeface="Times New Roman" panose="02020603050405020304" pitchFamily="18" charset="0"/>
               </a:rPr>
-              <a:t> que alimentará um Data Lake.</a:t>
-            </a:r>
-            <a:endParaRPr lang="pt-BR" sz="2400" dirty="0"/>
+              <a:t>que alimentará um Data Lake.</a:t>
+            </a:r>
+            <a:endParaRPr lang="pt-BR" sz="2400" dirty="0">
+              <a:solidFill>
+                <a:srgbClr val="FF0000"/>
+              </a:solidFill>
+            </a:endParaRPr>
           </a:p>
         </p:txBody>
       </p:sp>
@@ -3146,6 +3161,50 @@
           </a:p>
           <a:p>
             <a:r>
+              <a:rPr lang="pt-BR" sz="2400" b="1" u="sng" dirty="0">
+                <a:solidFill>
+                  <a:srgbClr val="FF0000"/>
+                </a:solidFill>
+                <a:latin typeface="Calibri" panose="020F0502020204030204" pitchFamily="34" charset="0"/>
+                <a:ea typeface="Calibri" panose="020F0502020204030204" pitchFamily="34" charset="0"/>
+                <a:cs typeface="Times New Roman" panose="02020603050405020304" pitchFamily="18" charset="0"/>
+              </a:rPr>
+              <a:t>S</a:t>
+            </a:r>
+            <a:r>
+              <a:rPr lang="pt-BR" sz="2400" b="1" u="sng" dirty="0" smtClean="0">
+                <a:solidFill>
+                  <a:srgbClr val="FF0000"/>
+                </a:solidFill>
+                <a:latin typeface="Calibri" panose="020F0502020204030204" pitchFamily="34" charset="0"/>
+                <a:ea typeface="Calibri" panose="020F0502020204030204" pitchFamily="34" charset="0"/>
+                <a:cs typeface="Times New Roman" panose="02020603050405020304" pitchFamily="18" charset="0"/>
+              </a:rPr>
+              <a:t>aber se a </a:t>
+            </a:r>
+            <a:r>
+              <a:rPr lang="pt-BR" sz="2400" b="1" u="sng" dirty="0">
+                <a:solidFill>
+                  <a:srgbClr val="FF0000"/>
+                </a:solidFill>
+                <a:latin typeface="Calibri" panose="020F0502020204030204" pitchFamily="34" charset="0"/>
+                <a:ea typeface="Calibri" panose="020F0502020204030204" pitchFamily="34" charset="0"/>
+                <a:cs typeface="Times New Roman" panose="02020603050405020304" pitchFamily="18" charset="0"/>
+              </a:rPr>
+              <a:t>empresa esteve participando desse crescimento de vendas de varejo</a:t>
+            </a:r>
+            <a:r>
+              <a:rPr lang="pt-BR" sz="2400" b="1" dirty="0">
+                <a:solidFill>
+                  <a:srgbClr val="FF0000"/>
+                </a:solidFill>
+                <a:latin typeface="Calibri" panose="020F0502020204030204" pitchFamily="34" charset="0"/>
+                <a:ea typeface="Calibri" panose="020F0502020204030204" pitchFamily="34" charset="0"/>
+                <a:cs typeface="Times New Roman" panose="02020603050405020304" pitchFamily="18" charset="0"/>
+              </a:rPr>
+              <a:t> </a:t>
+            </a:r>
+            <a:r>
               <a:rPr lang="pt-BR" sz="2400" dirty="0">
                 <a:solidFill>
                   <a:srgbClr val="FF0000"/>
@@ -3154,29 +3213,7 @@
                 <a:ea typeface="Calibri" panose="020F0502020204030204" pitchFamily="34" charset="0"/>
                 <a:cs typeface="Times New Roman" panose="02020603050405020304" pitchFamily="18" charset="0"/>
               </a:rPr>
-              <a:t>S</a:t>
-            </a:r>
-            <a:r>
-              <a:rPr lang="pt-BR" sz="2400" dirty="0" smtClean="0">
-                <a:solidFill>
-                  <a:srgbClr val="FF0000"/>
-                </a:solidFill>
-                <a:latin typeface="Calibri" panose="020F0502020204030204" pitchFamily="34" charset="0"/>
-                <a:ea typeface="Calibri" panose="020F0502020204030204" pitchFamily="34" charset="0"/>
-                <a:cs typeface="Times New Roman" panose="02020603050405020304" pitchFamily="18" charset="0"/>
-              </a:rPr>
-              <a:t>aber se a </a:t>
-            </a:r>
-            <a:r>
-              <a:rPr lang="pt-BR" sz="2400" dirty="0">
-                <a:solidFill>
-                  <a:srgbClr val="FF0000"/>
-                </a:solidFill>
-                <a:latin typeface="Calibri" panose="020F0502020204030204" pitchFamily="34" charset="0"/>
-                <a:ea typeface="Calibri" panose="020F0502020204030204" pitchFamily="34" charset="0"/>
-                <a:cs typeface="Times New Roman" panose="02020603050405020304" pitchFamily="18" charset="0"/>
-              </a:rPr>
-              <a:t>empresa esteve participando desse crescimento de vendas de varejo ou se esteve deficitária no período em </a:t>
+              <a:t>ou se esteve deficitária no período em </a:t>
             </a:r>
             <a:r>
               <a:rPr lang="pt-BR" sz="2400" dirty="0" smtClean="0">
@@ -3237,6 +3274,28 @@
           </a:p>
           <a:p>
             <a:r>
+              <a:rPr lang="pt-BR" sz="2400" b="1" u="sng" dirty="0" smtClean="0">
+                <a:solidFill>
+                  <a:srgbClr val="FF0000"/>
+                </a:solidFill>
+                <a:latin typeface="Calibri" panose="020F0502020204030204" pitchFamily="34" charset="0"/>
+                <a:ea typeface="Calibri" panose="020F0502020204030204" pitchFamily="34" charset="0"/>
+                <a:cs typeface="Times New Roman" panose="02020603050405020304" pitchFamily="18" charset="0"/>
+              </a:rPr>
+              <a:t>Que os dados oferecidos possam atender à equipe de analistas de dados e cientistas de dados na defesa de suas teses</a:t>
+            </a:r>
+            <a:r>
+              <a:rPr lang="pt-BR" sz="2400" b="1" dirty="0" smtClean="0">
+                <a:solidFill>
+                  <a:srgbClr val="FF0000"/>
+                </a:solidFill>
+                <a:latin typeface="Calibri" panose="020F0502020204030204" pitchFamily="34" charset="0"/>
+                <a:ea typeface="Calibri" panose="020F0502020204030204" pitchFamily="34" charset="0"/>
+                <a:cs typeface="Times New Roman" panose="02020603050405020304" pitchFamily="18" charset="0"/>
+              </a:rPr>
+              <a:t> </a:t>
+            </a:r>
+            <a:r>
               <a:rPr lang="pt-BR" sz="2400" dirty="0" smtClean="0">
                 <a:solidFill>
                   <a:srgbClr val="FF0000"/>
@@ -3245,7 +3304,7 @@
                 <a:ea typeface="Calibri" panose="020F0502020204030204" pitchFamily="34" charset="0"/>
                 <a:cs typeface="Times New Roman" panose="02020603050405020304" pitchFamily="18" charset="0"/>
               </a:rPr>
-              <a:t>Que os dados oferecidos possam atender à equipe de analistas de dados e cientistas de dados na defesa de suas teses sobre a posição da organização frente ao crescimento de vendas do varejo no país. </a:t>
+              <a:t>sobre a posição da organização frente ao crescimento de vendas do varejo no país. </a:t>
             </a:r>
             <a:endParaRPr lang="pt-BR" sz="2400" dirty="0">
               <a:solidFill>
@@ -3264,7 +3323,7 @@
         <p:spPr>
           <a:xfrm>
             <a:off x="768174" y="2200237"/>
-            <a:ext cx="10779211" cy="1260345"/>
+            <a:ext cx="10779211" cy="1277850"/>
           </a:xfrm>
           <a:prstGeom prst="rect">
             <a:avLst/>
@@ -3303,7 +3362,7 @@
               </a:spcAft>
             </a:pPr>
             <a:r>
-              <a:rPr lang="pt-BR" sz="2400" dirty="0" smtClean="0">
+              <a:rPr lang="pt-BR" sz="2400" b="1" u="sng" dirty="0" smtClean="0">
                 <a:solidFill>
                   <a:srgbClr val="FF0000"/>
                 </a:solidFill>
@@ -3314,6 +3373,28 @@
               <a:t>A </a:t>
             </a:r>
             <a:r>
+              <a:rPr lang="pt-BR" sz="2400" b="1" u="sng" dirty="0">
+                <a:solidFill>
+                  <a:srgbClr val="FF0000"/>
+                </a:solidFill>
+                <a:latin typeface="Calibri" panose="020F0502020204030204" pitchFamily="34" charset="0"/>
+                <a:ea typeface="Calibri" panose="020F0502020204030204" pitchFamily="34" charset="0"/>
+                <a:cs typeface="Times New Roman" panose="02020603050405020304" pitchFamily="18" charset="0"/>
+              </a:rPr>
+              <a:t>necessidade de revelar qual a situação da empresa</a:t>
+            </a:r>
+            <a:r>
+              <a:rPr lang="pt-BR" sz="2400" b="1" dirty="0">
+                <a:solidFill>
+                  <a:srgbClr val="FF0000"/>
+                </a:solidFill>
+                <a:latin typeface="Calibri" panose="020F0502020204030204" pitchFamily="34" charset="0"/>
+                <a:ea typeface="Calibri" panose="020F0502020204030204" pitchFamily="34" charset="0"/>
+                <a:cs typeface="Times New Roman" panose="02020603050405020304" pitchFamily="18" charset="0"/>
+              </a:rPr>
+              <a:t> </a:t>
+            </a:r>
+            <a:r>
               <a:rPr lang="pt-BR" sz="2400" dirty="0">
                 <a:solidFill>
                   <a:srgbClr val="FF0000"/>
@@ -3322,7 +3403,7 @@
                 <a:ea typeface="Calibri" panose="020F0502020204030204" pitchFamily="34" charset="0"/>
                 <a:cs typeface="Times New Roman" panose="02020603050405020304" pitchFamily="18" charset="0"/>
               </a:rPr>
-              <a:t>necessidade de revelar qual a situação da empresa com relação a evolução de vendas do varejo comparada às vendas do país.</a:t>
+              <a:t>com relação a evolução de vendas do varejo comparada às vendas do país.</a:t>
             </a:r>
             <a:endParaRPr lang="pt-BR" sz="2400" dirty="0">
               <a:solidFill>
@@ -3511,7 +3592,18 @@
                 <a:ea typeface="Calibri" panose="020F0502020204030204" pitchFamily="34" charset="0"/>
                 <a:cs typeface="Times New Roman" panose="02020603050405020304" pitchFamily="18" charset="0"/>
               </a:rPr>
-              <a:t>De acordo com as necessidades apresentadas fez-se uma análise preliminar para se certificar da viabilidade do projeto.</a:t>
+              <a:t>De acordo com as necessidades apresentadas fez-se uma análise preliminar para </a:t>
+            </a:r>
+            <a:r>
+              <a:rPr lang="pt-BR" dirty="0">
+                <a:solidFill>
+                  <a:srgbClr val="FF0000"/>
+                </a:solidFill>
+                <a:latin typeface="Calibri" panose="020F0502020204030204" pitchFamily="34" charset="0"/>
+                <a:ea typeface="Calibri" panose="020F0502020204030204" pitchFamily="34" charset="0"/>
+                <a:cs typeface="Times New Roman" panose="02020603050405020304" pitchFamily="18" charset="0"/>
+              </a:rPr>
+              <a:t>se certificar da viabilidade do projeto.</a:t>
             </a:r>
           </a:p>
           <a:p>
@@ -3603,7 +3695,26 @@
                 <a:ea typeface="Calibri" panose="020F0502020204030204" pitchFamily="34" charset="0"/>
                 <a:cs typeface="Times New Roman" panose="02020603050405020304" pitchFamily="18" charset="0"/>
               </a:rPr>
-              <a:t>Os dados mais viáveis foram encontrados no site do IBGE (</a:t>
+              <a:t>Os dados mais viáveis foram encontrados no site do </a:t>
+            </a:r>
+            <a:r>
+              <a:rPr lang="pt-BR" dirty="0">
+                <a:solidFill>
+                  <a:srgbClr val="FF0000"/>
+                </a:solidFill>
+                <a:latin typeface="Calibri" panose="020F0502020204030204" pitchFamily="34" charset="0"/>
+                <a:ea typeface="Calibri" panose="020F0502020204030204" pitchFamily="34" charset="0"/>
+                <a:cs typeface="Times New Roman" panose="02020603050405020304" pitchFamily="18" charset="0"/>
+              </a:rPr>
+              <a:t>IBGE</a:t>
+            </a:r>
+            <a:r>
+              <a:rPr lang="pt-BR" dirty="0">
+                <a:latin typeface="Calibri" panose="020F0502020204030204" pitchFamily="34" charset="0"/>
+                <a:ea typeface="Calibri" panose="020F0502020204030204" pitchFamily="34" charset="0"/>
+                <a:cs typeface="Times New Roman" panose="02020603050405020304" pitchFamily="18" charset="0"/>
+              </a:rPr>
+              <a:t> (</a:t>
             </a:r>
             <a:r>
               <a:rPr lang="pt-BR" u="sng" dirty="0">
@@ -3623,7 +3734,26 @@
                 <a:ea typeface="Calibri" panose="020F0502020204030204" pitchFamily="34" charset="0"/>
                 <a:cs typeface="Times New Roman" panose="02020603050405020304" pitchFamily="18" charset="0"/>
               </a:rPr>
-              <a:t>), correspondendo a tabelas de percentual de crescimento de vendas agrupados por UF, categoria de comércio e de produto.</a:t>
+              <a:t>), correspondendo a </a:t>
+            </a:r>
+            <a:r>
+              <a:rPr lang="pt-BR" dirty="0">
+                <a:solidFill>
+                  <a:srgbClr val="FF0000"/>
+                </a:solidFill>
+                <a:latin typeface="Calibri" panose="020F0502020204030204" pitchFamily="34" charset="0"/>
+                <a:ea typeface="Calibri" panose="020F0502020204030204" pitchFamily="34" charset="0"/>
+                <a:cs typeface="Times New Roman" panose="02020603050405020304" pitchFamily="18" charset="0"/>
+              </a:rPr>
+              <a:t>tabelas de percentual de crescimento de vendas agrupados por UF, categoria de comércio e de produto</a:t>
+            </a:r>
+            <a:r>
+              <a:rPr lang="pt-BR" dirty="0">
+                <a:latin typeface="Calibri" panose="020F0502020204030204" pitchFamily="34" charset="0"/>
+                <a:ea typeface="Calibri" panose="020F0502020204030204" pitchFamily="34" charset="0"/>
+                <a:cs typeface="Times New Roman" panose="02020603050405020304" pitchFamily="18" charset="0"/>
+              </a:rPr>
+              <a:t>.</a:t>
             </a:r>
           </a:p>
           <a:p>
@@ -3681,7 +3811,26 @@
                 <a:ea typeface="Calibri" panose="020F0502020204030204" pitchFamily="34" charset="0"/>
                 <a:cs typeface="Times New Roman" panose="02020603050405020304" pitchFamily="18" charset="0"/>
               </a:rPr>
-              <a:t>Os dados oferecidos pelo site do IBGE foram analisados e validados se poderiam entregar o resultado de informação que era necessário para a comparação das vendas da companhia com as vendas do país.</a:t>
+              <a:t>Os dados oferecidos pelo site do IBGE foram </a:t>
+            </a:r>
+            <a:r>
+              <a:rPr lang="pt-BR" dirty="0">
+                <a:solidFill>
+                  <a:srgbClr val="FF0000"/>
+                </a:solidFill>
+                <a:latin typeface="Calibri" panose="020F0502020204030204" pitchFamily="34" charset="0"/>
+                <a:ea typeface="Calibri" panose="020F0502020204030204" pitchFamily="34" charset="0"/>
+                <a:cs typeface="Times New Roman" panose="02020603050405020304" pitchFamily="18" charset="0"/>
+              </a:rPr>
+              <a:t>analisados e validados se poderiam entregar o resultado de informação que era necessário</a:t>
+            </a:r>
+            <a:r>
+              <a:rPr lang="pt-BR" dirty="0">
+                <a:latin typeface="Calibri" panose="020F0502020204030204" pitchFamily="34" charset="0"/>
+                <a:ea typeface="Calibri" panose="020F0502020204030204" pitchFamily="34" charset="0"/>
+                <a:cs typeface="Times New Roman" panose="02020603050405020304" pitchFamily="18" charset="0"/>
+              </a:rPr>
+              <a:t> para a comparação das vendas da companhia com as vendas do país.</a:t>
             </a:r>
             <a:endParaRPr lang="pt-BR" dirty="0">
               <a:effectLst/>
@@ -3782,7 +3931,7 @@
         <p:spPr>
           <a:xfrm>
             <a:off x="1000897" y="1118592"/>
-            <a:ext cx="10206682" cy="5710089"/>
+            <a:ext cx="10206682" cy="5130507"/>
           </a:xfrm>
           <a:prstGeom prst="rect">
             <a:avLst/>
@@ -3846,7 +3995,26 @@
                 <a:ea typeface="Calibri" panose="020F0502020204030204" pitchFamily="34" charset="0"/>
                 <a:cs typeface="Times New Roman" panose="02020603050405020304" pitchFamily="18" charset="0"/>
               </a:rPr>
-              <a:t>Outra verificação importante foi a de se certificar que os arquivos eleitos para o projeto pudessem ser baixados através de API e que estivessem disponíveis continuamente, inclusive com as atualizações.</a:t>
+              <a:t>Outra verificação importante foi a de se certificar que os arquivos eleitos para o projeto </a:t>
+            </a:r>
+            <a:r>
+              <a:rPr lang="pt-BR" dirty="0">
+                <a:solidFill>
+                  <a:srgbClr val="FF0000"/>
+                </a:solidFill>
+                <a:latin typeface="Calibri" panose="020F0502020204030204" pitchFamily="34" charset="0"/>
+                <a:ea typeface="Calibri" panose="020F0502020204030204" pitchFamily="34" charset="0"/>
+                <a:cs typeface="Times New Roman" panose="02020603050405020304" pitchFamily="18" charset="0"/>
+              </a:rPr>
+              <a:t>pudessem ser baixados através de API e que estivessem disponíveis continuamente</a:t>
+            </a:r>
+            <a:r>
+              <a:rPr lang="pt-BR" dirty="0">
+                <a:latin typeface="Calibri" panose="020F0502020204030204" pitchFamily="34" charset="0"/>
+                <a:ea typeface="Calibri" panose="020F0502020204030204" pitchFamily="34" charset="0"/>
+                <a:cs typeface="Times New Roman" panose="02020603050405020304" pitchFamily="18" charset="0"/>
+              </a:rPr>
+              <a:t>, inclusive com as atualizações.</a:t>
             </a:r>
           </a:p>
           <a:p>
@@ -3904,10 +4072,24 @@
                 <a:ea typeface="Calibri" panose="020F0502020204030204" pitchFamily="34" charset="0"/>
                 <a:cs typeface="Times New Roman" panose="02020603050405020304" pitchFamily="18" charset="0"/>
               </a:rPr>
-              <a:t>Os arquivos originais com os dados brutos (</a:t>
+              <a:t>Os arquivos originais com os </a:t>
+            </a:r>
+            <a:r>
+              <a:rPr lang="pt-BR" dirty="0">
+                <a:solidFill>
+                  <a:srgbClr val="FF0000"/>
+                </a:solidFill>
+                <a:latin typeface="Calibri" panose="020F0502020204030204" pitchFamily="34" charset="0"/>
+                <a:ea typeface="Calibri" panose="020F0502020204030204" pitchFamily="34" charset="0"/>
+                <a:cs typeface="Times New Roman" panose="02020603050405020304" pitchFamily="18" charset="0"/>
+              </a:rPr>
+              <a:t>dados brutos (</a:t>
             </a:r>
             <a:r>
               <a:rPr lang="pt-BR" dirty="0" err="1">
+                <a:solidFill>
+                  <a:srgbClr val="FF0000"/>
+                </a:solidFill>
                 <a:latin typeface="Calibri" panose="020F0502020204030204" pitchFamily="34" charset="0"/>
                 <a:ea typeface="Calibri" panose="020F0502020204030204" pitchFamily="34" charset="0"/>
                 <a:cs typeface="Times New Roman" panose="02020603050405020304" pitchFamily="18" charset="0"/>
@@ -3916,6 +4098,9 @@
             </a:r>
             <a:r>
               <a:rPr lang="pt-BR" dirty="0">
+                <a:solidFill>
+                  <a:srgbClr val="FF0000"/>
+                </a:solidFill>
                 <a:latin typeface="Calibri" panose="020F0502020204030204" pitchFamily="34" charset="0"/>
                 <a:ea typeface="Calibri" panose="020F0502020204030204" pitchFamily="34" charset="0"/>
                 <a:cs typeface="Times New Roman" panose="02020603050405020304" pitchFamily="18" charset="0"/>
@@ -3924,6 +4109,9 @@
             </a:r>
             <a:r>
               <a:rPr lang="pt-BR" dirty="0" err="1">
+                <a:solidFill>
+                  <a:srgbClr val="FF0000"/>
+                </a:solidFill>
                 <a:latin typeface="Calibri" panose="020F0502020204030204" pitchFamily="34" charset="0"/>
                 <a:ea typeface="Calibri" panose="020F0502020204030204" pitchFamily="34" charset="0"/>
                 <a:cs typeface="Times New Roman" panose="02020603050405020304" pitchFamily="18" charset="0"/>
@@ -3960,10 +4148,24 @@
                 <a:ea typeface="Calibri" panose="020F0502020204030204" pitchFamily="34" charset="0"/>
                 <a:cs typeface="Times New Roman" panose="02020603050405020304" pitchFamily="18" charset="0"/>
               </a:rPr>
-              <a:t>IBGE, que serão transformadas em arquivos </a:t>
+              <a:t>IBGE, que </a:t>
+            </a:r>
+            <a:r>
+              <a:rPr lang="pt-BR" dirty="0" smtClean="0">
+                <a:solidFill>
+                  <a:srgbClr val="FF0000"/>
+                </a:solidFill>
+                <a:latin typeface="Calibri" panose="020F0502020204030204" pitchFamily="34" charset="0"/>
+                <a:ea typeface="Calibri" panose="020F0502020204030204" pitchFamily="34" charset="0"/>
+                <a:cs typeface="Times New Roman" panose="02020603050405020304" pitchFamily="18" charset="0"/>
+              </a:rPr>
+              <a:t>serão transformadas em arquivos </a:t>
             </a:r>
             <a:r>
               <a:rPr lang="pt-BR" dirty="0" err="1" smtClean="0">
+                <a:solidFill>
+                  <a:srgbClr val="FF0000"/>
+                </a:solidFill>
                 <a:latin typeface="Calibri" panose="020F0502020204030204" pitchFamily="34" charset="0"/>
                 <a:ea typeface="Calibri" panose="020F0502020204030204" pitchFamily="34" charset="0"/>
                 <a:cs typeface="Times New Roman" panose="02020603050405020304" pitchFamily="18" charset="0"/>
@@ -3972,11 +4174,22 @@
             </a:r>
             <a:r>
               <a:rPr lang="pt-BR" dirty="0" smtClean="0">
-                <a:latin typeface="Calibri" panose="020F0502020204030204" pitchFamily="34" charset="0"/>
-                <a:ea typeface="Calibri" panose="020F0502020204030204" pitchFamily="34" charset="0"/>
-                <a:cs typeface="Times New Roman" panose="02020603050405020304" pitchFamily="18" charset="0"/>
-              </a:rPr>
-              <a:t> e posteriormente em arquivos parquet que conterão as </a:t>
+                <a:solidFill>
+                  <a:srgbClr val="FF0000"/>
+                </a:solidFill>
+                <a:latin typeface="Calibri" panose="020F0502020204030204" pitchFamily="34" charset="0"/>
+                <a:ea typeface="Calibri" panose="020F0502020204030204" pitchFamily="34" charset="0"/>
+                <a:cs typeface="Times New Roman" panose="02020603050405020304" pitchFamily="18" charset="0"/>
+              </a:rPr>
+              <a:t> e posteriormente em arquivos parquet</a:t>
+            </a:r>
+            <a:r>
+              <a:rPr lang="pt-BR" dirty="0" smtClean="0">
+                <a:latin typeface="Calibri" panose="020F0502020204030204" pitchFamily="34" charset="0"/>
+                <a:ea typeface="Calibri" panose="020F0502020204030204" pitchFamily="34" charset="0"/>
+                <a:cs typeface="Times New Roman" panose="02020603050405020304" pitchFamily="18" charset="0"/>
+              </a:rPr>
+              <a:t> que conterão as </a:t>
             </a:r>
             <a:r>
               <a:rPr lang="pt-BR" dirty="0" err="1" smtClean="0">
@@ -4098,15 +4311,37 @@
               <a:buChar char="o"/>
             </a:pPr>
             <a:r>
-              <a:rPr lang="pt-BR" dirty="0">
-                <a:latin typeface="Calibri" panose="020F0502020204030204" pitchFamily="34" charset="0"/>
-                <a:ea typeface="Calibri" panose="020F0502020204030204" pitchFamily="34" charset="0"/>
-                <a:cs typeface="Times New Roman" panose="02020603050405020304" pitchFamily="18" charset="0"/>
-              </a:rPr>
-              <a:t>O local onde os arquivos ficarão armazenados tem como peso principal a continuidade do armazenamento com boa performance de acesso. Se tivesse a estrutura montada na empresa, com profissionais disponíveis para a manutenção dessa estrutura, poder-se-ia fazer uso da mesma, mas como está-se começando a montar o Data Lake e a empresa não tem nada disso ainda optou-se por terceirizar a estrutura de armazenamento como também algumas ferramentas de acesso aos dados, assim elegeu-se o </a:t>
+              <a:rPr lang="pt-BR" dirty="0" smtClean="0">
+                <a:latin typeface="Calibri" panose="020F0502020204030204" pitchFamily="34" charset="0"/>
+                <a:ea typeface="Calibri" panose="020F0502020204030204" pitchFamily="34" charset="0"/>
+                <a:cs typeface="Times New Roman" panose="02020603050405020304" pitchFamily="18" charset="0"/>
+              </a:rPr>
+              <a:t>Se </a:t>
+            </a:r>
+            <a:r>
+              <a:rPr lang="pt-BR" dirty="0">
+                <a:latin typeface="Calibri" panose="020F0502020204030204" pitchFamily="34" charset="0"/>
+                <a:ea typeface="Calibri" panose="020F0502020204030204" pitchFamily="34" charset="0"/>
+                <a:cs typeface="Times New Roman" panose="02020603050405020304" pitchFamily="18" charset="0"/>
+              </a:rPr>
+              <a:t>tivesse a estrutura montada na empresa, com profissionais disponíveis para a manutenção dessa estrutura, poder-se-ia fazer uso da mesma, mas como está-se começando a montar o Data Lake e a empresa não tem nada disso ainda optou-se por terceirizar a estrutura de armazenamento como também algumas ferramentas de acesso aos dados, assim </a:t>
+            </a:r>
+            <a:r>
+              <a:rPr lang="pt-BR" dirty="0">
+                <a:solidFill>
+                  <a:srgbClr val="FF0000"/>
+                </a:solidFill>
+                <a:latin typeface="Calibri" panose="020F0502020204030204" pitchFamily="34" charset="0"/>
+                <a:ea typeface="Calibri" panose="020F0502020204030204" pitchFamily="34" charset="0"/>
+                <a:cs typeface="Times New Roman" panose="02020603050405020304" pitchFamily="18" charset="0"/>
+              </a:rPr>
+              <a:t>elegeu-se o </a:t>
             </a:r>
             <a:r>
               <a:rPr lang="pt-BR" dirty="0" err="1">
+                <a:solidFill>
+                  <a:srgbClr val="FF0000"/>
+                </a:solidFill>
                 <a:latin typeface="Calibri" panose="020F0502020204030204" pitchFamily="34" charset="0"/>
                 <a:ea typeface="Calibri" panose="020F0502020204030204" pitchFamily="34" charset="0"/>
                 <a:cs typeface="Times New Roman" panose="02020603050405020304" pitchFamily="18" charset="0"/>
@@ -4115,11 +4350,22 @@
             </a:r>
             <a:r>
               <a:rPr lang="pt-BR" dirty="0">
-                <a:latin typeface="Calibri" panose="020F0502020204030204" pitchFamily="34" charset="0"/>
-                <a:ea typeface="Calibri" panose="020F0502020204030204" pitchFamily="34" charset="0"/>
-                <a:cs typeface="Times New Roman" panose="02020603050405020304" pitchFamily="18" charset="0"/>
-              </a:rPr>
-              <a:t> S3 que oferece toda a manutenção da estrutura, com armazenamento distribuído e alta escalabilidade, deixando os engenheiros de dados livres para se preocuparem somente com o planejamento e operação do ELT.</a:t>
+                <a:solidFill>
+                  <a:srgbClr val="FF0000"/>
+                </a:solidFill>
+                <a:latin typeface="Calibri" panose="020F0502020204030204" pitchFamily="34" charset="0"/>
+                <a:ea typeface="Calibri" panose="020F0502020204030204" pitchFamily="34" charset="0"/>
+                <a:cs typeface="Times New Roman" panose="02020603050405020304" pitchFamily="18" charset="0"/>
+              </a:rPr>
+              <a:t> S3 que oferece toda a manutenção da estrutura, com armazenamento distribuído e alta escalabilidade</a:t>
+            </a:r>
+            <a:r>
+              <a:rPr lang="pt-BR" dirty="0">
+                <a:latin typeface="Calibri" panose="020F0502020204030204" pitchFamily="34" charset="0"/>
+                <a:ea typeface="Calibri" panose="020F0502020204030204" pitchFamily="34" charset="0"/>
+                <a:cs typeface="Times New Roman" panose="02020603050405020304" pitchFamily="18" charset="0"/>
+              </a:rPr>
+              <a:t>, deixando os engenheiros de dados livres para se preocuparem somente com o planejamento e operação do ELT.</a:t>
             </a:r>
             <a:endParaRPr lang="pt-BR" dirty="0">
               <a:effectLst/>
@@ -4332,10 +4578,24 @@
                 <a:ea typeface="Calibri" panose="020F0502020204030204" pitchFamily="34" charset="0"/>
                 <a:cs typeface="Times New Roman" panose="02020603050405020304" pitchFamily="18" charset="0"/>
               </a:rPr>
-              <a:t> sendo definido os nomes: arquivosPMCcrawS3 (dados brutos .</a:t>
+              <a:t> sendo definido os nomes: </a:t>
+            </a:r>
+            <a:r>
+              <a:rPr lang="pt-BR" dirty="0">
+                <a:solidFill>
+                  <a:srgbClr val="FF0000"/>
+                </a:solidFill>
+                <a:latin typeface="Calibri" panose="020F0502020204030204" pitchFamily="34" charset="0"/>
+                <a:ea typeface="Calibri" panose="020F0502020204030204" pitchFamily="34" charset="0"/>
+                <a:cs typeface="Times New Roman" panose="02020603050405020304" pitchFamily="18" charset="0"/>
+              </a:rPr>
+              <a:t>arquivosPMCcrawS3 (dados brutos .</a:t>
             </a:r>
             <a:r>
               <a:rPr lang="pt-BR" dirty="0" err="1">
+                <a:solidFill>
+                  <a:srgbClr val="FF0000"/>
+                </a:solidFill>
                 <a:latin typeface="Calibri" panose="020F0502020204030204" pitchFamily="34" charset="0"/>
                 <a:ea typeface="Calibri" panose="020F0502020204030204" pitchFamily="34" charset="0"/>
                 <a:cs typeface="Times New Roman" panose="02020603050405020304" pitchFamily="18" charset="0"/>
@@ -4344,6 +4604,9 @@
             </a:r>
             <a:r>
               <a:rPr lang="pt-BR" dirty="0">
+                <a:solidFill>
+                  <a:srgbClr val="FF0000"/>
+                </a:solidFill>
                 <a:latin typeface="Calibri" panose="020F0502020204030204" pitchFamily="34" charset="0"/>
                 <a:ea typeface="Calibri" panose="020F0502020204030204" pitchFamily="34" charset="0"/>
                 <a:cs typeface="Times New Roman" panose="02020603050405020304" pitchFamily="18" charset="0"/>
@@ -4352,6 +4615,9 @@
             </a:r>
             <a:r>
               <a:rPr lang="pt-BR" dirty="0" err="1">
+                <a:solidFill>
+                  <a:srgbClr val="FF0000"/>
+                </a:solidFill>
                 <a:latin typeface="Calibri" panose="020F0502020204030204" pitchFamily="34" charset="0"/>
                 <a:ea typeface="Calibri" panose="020F0502020204030204" pitchFamily="34" charset="0"/>
                 <a:cs typeface="Times New Roman" panose="02020603050405020304" pitchFamily="18" charset="0"/>
@@ -4360,6 +4626,9 @@
             </a:r>
             <a:r>
               <a:rPr lang="pt-BR" dirty="0">
+                <a:solidFill>
+                  <a:srgbClr val="FF0000"/>
+                </a:solidFill>
                 <a:latin typeface="Calibri" panose="020F0502020204030204" pitchFamily="34" charset="0"/>
                 <a:ea typeface="Calibri" panose="020F0502020204030204" pitchFamily="34" charset="0"/>
                 <a:cs typeface="Times New Roman" panose="02020603050405020304" pitchFamily="18" charset="0"/>
@@ -4368,6 +4637,9 @@
             </a:r>
             <a:r>
               <a:rPr lang="pt-BR" dirty="0" err="1">
+                <a:solidFill>
+                  <a:srgbClr val="FF0000"/>
+                </a:solidFill>
                 <a:latin typeface="Calibri" panose="020F0502020204030204" pitchFamily="34" charset="0"/>
                 <a:ea typeface="Calibri" panose="020F0502020204030204" pitchFamily="34" charset="0"/>
                 <a:cs typeface="Times New Roman" panose="02020603050405020304" pitchFamily="18" charset="0"/>
@@ -4376,11 +4648,22 @@
             </a:r>
             <a:r>
               <a:rPr lang="pt-BR" dirty="0">
-                <a:latin typeface="Calibri" panose="020F0502020204030204" pitchFamily="34" charset="0"/>
-                <a:ea typeface="Calibri" panose="020F0502020204030204" pitchFamily="34" charset="0"/>
-                <a:cs typeface="Times New Roman" panose="02020603050405020304" pitchFamily="18" charset="0"/>
-              </a:rPr>
-              <a:t>/parquet).</a:t>
+                <a:solidFill>
+                  <a:srgbClr val="FF0000"/>
+                </a:solidFill>
+                <a:latin typeface="Calibri" panose="020F0502020204030204" pitchFamily="34" charset="0"/>
+                <a:ea typeface="Calibri" panose="020F0502020204030204" pitchFamily="34" charset="0"/>
+                <a:cs typeface="Times New Roman" panose="02020603050405020304" pitchFamily="18" charset="0"/>
+              </a:rPr>
+              <a:t>/parquet)</a:t>
+            </a:r>
+            <a:r>
+              <a:rPr lang="pt-BR" dirty="0">
+                <a:latin typeface="Calibri" panose="020F0502020204030204" pitchFamily="34" charset="0"/>
+                <a:ea typeface="Calibri" panose="020F0502020204030204" pitchFamily="34" charset="0"/>
+                <a:cs typeface="Times New Roman" panose="02020603050405020304" pitchFamily="18" charset="0"/>
+              </a:rPr>
+              <a:t>.</a:t>
             </a:r>
           </a:p>
           <a:p>
@@ -4589,10 +4872,81 @@
                 <a:ea typeface="Calibri" panose="020F0502020204030204" pitchFamily="34" charset="0"/>
                 <a:cs typeface="Times New Roman" panose="02020603050405020304" pitchFamily="18" charset="0"/>
               </a:rPr>
-              <a:t>Por conter uma enorme diversidade de bibliotecas para inúmeros fins, apresentar uma simplicidade de estrutura voltada para orientação a objetos, por ser uma linguagem que está sendo muito utilizada no mundo sendo uma tendência em manipulação de dados, apresentando funções voltadas para tal, por ser de fácil uso dentro da </a:t>
+              <a:t>Por conter uma enorme </a:t>
+            </a:r>
+            <a:r>
+              <a:rPr lang="pt-BR" dirty="0">
+                <a:solidFill>
+                  <a:srgbClr val="FF0000"/>
+                </a:solidFill>
+                <a:latin typeface="Calibri" panose="020F0502020204030204" pitchFamily="34" charset="0"/>
+                <a:ea typeface="Calibri" panose="020F0502020204030204" pitchFamily="34" charset="0"/>
+                <a:cs typeface="Times New Roman" panose="02020603050405020304" pitchFamily="18" charset="0"/>
+              </a:rPr>
+              <a:t>diversidade de bibliotecas</a:t>
+            </a:r>
+            <a:r>
+              <a:rPr lang="pt-BR" dirty="0">
+                <a:latin typeface="Calibri" panose="020F0502020204030204" pitchFamily="34" charset="0"/>
+                <a:ea typeface="Calibri" panose="020F0502020204030204" pitchFamily="34" charset="0"/>
+                <a:cs typeface="Times New Roman" panose="02020603050405020304" pitchFamily="18" charset="0"/>
+              </a:rPr>
+              <a:t> para inúmeros fins, apresentar uma </a:t>
+            </a:r>
+            <a:r>
+              <a:rPr lang="pt-BR" dirty="0">
+                <a:solidFill>
+                  <a:srgbClr val="FF0000"/>
+                </a:solidFill>
+                <a:latin typeface="Calibri" panose="020F0502020204030204" pitchFamily="34" charset="0"/>
+                <a:ea typeface="Calibri" panose="020F0502020204030204" pitchFamily="34" charset="0"/>
+                <a:cs typeface="Times New Roman" panose="02020603050405020304" pitchFamily="18" charset="0"/>
+              </a:rPr>
+              <a:t>simplicidade de estrutura voltada para orientação a objetos</a:t>
+            </a:r>
+            <a:r>
+              <a:rPr lang="pt-BR" dirty="0">
+                <a:latin typeface="Calibri" panose="020F0502020204030204" pitchFamily="34" charset="0"/>
+                <a:ea typeface="Calibri" panose="020F0502020204030204" pitchFamily="34" charset="0"/>
+                <a:cs typeface="Times New Roman" panose="02020603050405020304" pitchFamily="18" charset="0"/>
+              </a:rPr>
+              <a:t>, por ser uma linguagem que está sendo </a:t>
+            </a:r>
+            <a:r>
+              <a:rPr lang="pt-BR" dirty="0">
+                <a:solidFill>
+                  <a:srgbClr val="FF0000"/>
+                </a:solidFill>
+                <a:latin typeface="Calibri" panose="020F0502020204030204" pitchFamily="34" charset="0"/>
+                <a:ea typeface="Calibri" panose="020F0502020204030204" pitchFamily="34" charset="0"/>
+                <a:cs typeface="Times New Roman" panose="02020603050405020304" pitchFamily="18" charset="0"/>
+              </a:rPr>
+              <a:t>muito utilizada no mundo sendo uma tendência em manipulação de dados</a:t>
+            </a:r>
+            <a:r>
+              <a:rPr lang="pt-BR" dirty="0">
+                <a:latin typeface="Calibri" panose="020F0502020204030204" pitchFamily="34" charset="0"/>
+                <a:ea typeface="Calibri" panose="020F0502020204030204" pitchFamily="34" charset="0"/>
+                <a:cs typeface="Times New Roman" panose="02020603050405020304" pitchFamily="18" charset="0"/>
+              </a:rPr>
+              <a:t>, apresentando funções voltadas para tal, por ser </a:t>
+            </a:r>
+            <a:r>
+              <a:rPr lang="pt-BR" dirty="0">
+                <a:solidFill>
+                  <a:srgbClr val="FF0000"/>
+                </a:solidFill>
+                <a:latin typeface="Calibri" panose="020F0502020204030204" pitchFamily="34" charset="0"/>
+                <a:ea typeface="Calibri" panose="020F0502020204030204" pitchFamily="34" charset="0"/>
+                <a:cs typeface="Times New Roman" panose="02020603050405020304" pitchFamily="18" charset="0"/>
+              </a:rPr>
+              <a:t>de fácil uso dentro da </a:t>
             </a:r>
             <a:r>
               <a:rPr lang="pt-BR" dirty="0" err="1">
+                <a:solidFill>
+                  <a:srgbClr val="FF0000"/>
+                </a:solidFill>
                 <a:latin typeface="Calibri" panose="020F0502020204030204" pitchFamily="34" charset="0"/>
                 <a:ea typeface="Calibri" panose="020F0502020204030204" pitchFamily="34" charset="0"/>
                 <a:cs typeface="Times New Roman" panose="02020603050405020304" pitchFamily="18" charset="0"/>
@@ -4768,10 +5122,24 @@
                 <a:ea typeface="Calibri" panose="020F0502020204030204" pitchFamily="34" charset="0"/>
                 <a:cs typeface="Times New Roman" panose="02020603050405020304" pitchFamily="18" charset="0"/>
               </a:rPr>
-              <a:t>Os códigos serão processados utilizando-se o serviço da </a:t>
+              <a:t>Os códigos serão </a:t>
+            </a:r>
+            <a:r>
+              <a:rPr lang="pt-BR" dirty="0">
+                <a:solidFill>
+                  <a:srgbClr val="FF0000"/>
+                </a:solidFill>
+                <a:latin typeface="Calibri" panose="020F0502020204030204" pitchFamily="34" charset="0"/>
+                <a:ea typeface="Calibri" panose="020F0502020204030204" pitchFamily="34" charset="0"/>
+                <a:cs typeface="Times New Roman" panose="02020603050405020304" pitchFamily="18" charset="0"/>
+              </a:rPr>
+              <a:t>processados utilizando-se o serviço da </a:t>
             </a:r>
             <a:r>
               <a:rPr lang="pt-BR" dirty="0" err="1">
+                <a:solidFill>
+                  <a:srgbClr val="FF0000"/>
+                </a:solidFill>
                 <a:latin typeface="Calibri" panose="020F0502020204030204" pitchFamily="34" charset="0"/>
                 <a:ea typeface="Calibri" panose="020F0502020204030204" pitchFamily="34" charset="0"/>
                 <a:cs typeface="Times New Roman" panose="02020603050405020304" pitchFamily="18" charset="0"/>
@@ -4780,11 +5148,22 @@
             </a:r>
             <a:r>
               <a:rPr lang="pt-BR" dirty="0">
-                <a:latin typeface="Calibri" panose="020F0502020204030204" pitchFamily="34" charset="0"/>
-                <a:ea typeface="Calibri" panose="020F0502020204030204" pitchFamily="34" charset="0"/>
-                <a:cs typeface="Times New Roman" panose="02020603050405020304" pitchFamily="18" charset="0"/>
-              </a:rPr>
-              <a:t> Lambda, que é orientada a eventos com computação sem </a:t>
+                <a:solidFill>
+                  <a:srgbClr val="FF0000"/>
+                </a:solidFill>
+                <a:latin typeface="Calibri" panose="020F0502020204030204" pitchFamily="34" charset="0"/>
+                <a:ea typeface="Calibri" panose="020F0502020204030204" pitchFamily="34" charset="0"/>
+                <a:cs typeface="Times New Roman" panose="02020603050405020304" pitchFamily="18" charset="0"/>
+              </a:rPr>
+              <a:t> Lambda, que é orientada a eventos </a:t>
+            </a:r>
+            <a:r>
+              <a:rPr lang="pt-BR" dirty="0">
+                <a:latin typeface="Calibri" panose="020F0502020204030204" pitchFamily="34" charset="0"/>
+                <a:ea typeface="Calibri" panose="020F0502020204030204" pitchFamily="34" charset="0"/>
+                <a:cs typeface="Times New Roman" panose="02020603050405020304" pitchFamily="18" charset="0"/>
+              </a:rPr>
+              <a:t>com computação sem </a:t>
             </a:r>
             <a:r>
               <a:rPr lang="pt-BR" dirty="0" smtClean="0">
@@ -4869,7 +5248,26 @@
                 <a:ea typeface="Calibri" panose="020F0502020204030204" pitchFamily="34" charset="0"/>
                 <a:cs typeface="Times New Roman" panose="02020603050405020304" pitchFamily="18" charset="0"/>
               </a:rPr>
-              <a:t>, por apresentar seus recursos de hospedagem e manutenção de versões de código com simplicidade e objetividade, pela sua divulgação e utilização na comunidade de desenvolvimento de software, definiu-se pela utilização dessa plataforma.</a:t>
+              <a:t>, por apresentar seus </a:t>
+            </a:r>
+            <a:r>
+              <a:rPr lang="pt-BR" dirty="0">
+                <a:solidFill>
+                  <a:srgbClr val="FF0000"/>
+                </a:solidFill>
+                <a:latin typeface="Calibri" panose="020F0502020204030204" pitchFamily="34" charset="0"/>
+                <a:ea typeface="Calibri" panose="020F0502020204030204" pitchFamily="34" charset="0"/>
+                <a:cs typeface="Times New Roman" panose="02020603050405020304" pitchFamily="18" charset="0"/>
+              </a:rPr>
+              <a:t>recursos de hospedagem e manutenção de versões de código com simplicidade e objetividade</a:t>
+            </a:r>
+            <a:r>
+              <a:rPr lang="pt-BR" dirty="0">
+                <a:latin typeface="Calibri" panose="020F0502020204030204" pitchFamily="34" charset="0"/>
+                <a:ea typeface="Calibri" panose="020F0502020204030204" pitchFamily="34" charset="0"/>
+                <a:cs typeface="Times New Roman" panose="02020603050405020304" pitchFamily="18" charset="0"/>
+              </a:rPr>
+              <a:t>, pela sua divulgação e utilização na comunidade de desenvolvimento de software, definiu-se pela utilização dessa plataforma.</a:t>
             </a:r>
           </a:p>
           <a:p>
@@ -4931,6 +5329,9 @@
             </a:r>
             <a:r>
               <a:rPr lang="pt-BR" dirty="0" err="1">
+                <a:solidFill>
+                  <a:srgbClr val="FF0000"/>
+                </a:solidFill>
                 <a:latin typeface="Calibri" panose="020F0502020204030204" pitchFamily="34" charset="0"/>
                 <a:ea typeface="Calibri" panose="020F0502020204030204" pitchFamily="34" charset="0"/>
                 <a:cs typeface="Times New Roman" panose="02020603050405020304" pitchFamily="18" charset="0"/>
@@ -4939,6 +5340,9 @@
             </a:r>
             <a:r>
               <a:rPr lang="pt-BR" dirty="0">
+                <a:solidFill>
+                  <a:srgbClr val="FF0000"/>
+                </a:solidFill>
                 <a:latin typeface="Calibri" panose="020F0502020204030204" pitchFamily="34" charset="0"/>
                 <a:ea typeface="Calibri" panose="020F0502020204030204" pitchFamily="34" charset="0"/>
                 <a:cs typeface="Times New Roman" panose="02020603050405020304" pitchFamily="18" charset="0"/>
@@ -4947,6 +5351,9 @@
             </a:r>
             <a:r>
               <a:rPr lang="pt-BR" dirty="0" err="1">
+                <a:solidFill>
+                  <a:srgbClr val="FF0000"/>
+                </a:solidFill>
                 <a:latin typeface="Calibri" panose="020F0502020204030204" pitchFamily="34" charset="0"/>
                 <a:ea typeface="Calibri" panose="020F0502020204030204" pitchFamily="34" charset="0"/>
                 <a:cs typeface="Times New Roman" panose="02020603050405020304" pitchFamily="18" charset="0"/>
@@ -4955,6 +5362,9 @@
             </a:r>
             <a:r>
               <a:rPr lang="pt-BR" dirty="0">
+                <a:solidFill>
+                  <a:srgbClr val="FF0000"/>
+                </a:solidFill>
                 <a:latin typeface="Calibri" panose="020F0502020204030204" pitchFamily="34" charset="0"/>
                 <a:ea typeface="Calibri" panose="020F0502020204030204" pitchFamily="34" charset="0"/>
                 <a:cs typeface="Times New Roman" panose="02020603050405020304" pitchFamily="18" charset="0"/>
@@ -4979,10 +5389,24 @@
                 <a:ea typeface="Calibri" panose="020F0502020204030204" pitchFamily="34" charset="0"/>
                 <a:cs typeface="Times New Roman" panose="02020603050405020304" pitchFamily="18" charset="0"/>
               </a:rPr>
-              <a:t>Para se manipular o banco de dados </a:t>
+              <a:t>Para se </a:t>
+            </a:r>
+            <a:r>
+              <a:rPr lang="pt-BR" dirty="0">
+                <a:solidFill>
+                  <a:srgbClr val="FF0000"/>
+                </a:solidFill>
+                <a:latin typeface="Calibri" panose="020F0502020204030204" pitchFamily="34" charset="0"/>
+                <a:ea typeface="Calibri" panose="020F0502020204030204" pitchFamily="34" charset="0"/>
+                <a:cs typeface="Times New Roman" panose="02020603050405020304" pitchFamily="18" charset="0"/>
+              </a:rPr>
+              <a:t>manipular o banco de dados </a:t>
             </a:r>
             <a:r>
               <a:rPr lang="pt-BR" dirty="0" err="1">
+                <a:solidFill>
+                  <a:srgbClr val="FF0000"/>
+                </a:solidFill>
                 <a:latin typeface="Calibri" panose="020F0502020204030204" pitchFamily="34" charset="0"/>
                 <a:ea typeface="Calibri" panose="020F0502020204030204" pitchFamily="34" charset="0"/>
                 <a:cs typeface="Times New Roman" panose="02020603050405020304" pitchFamily="18" charset="0"/>
@@ -4991,6 +5415,9 @@
             </a:r>
             <a:r>
               <a:rPr lang="pt-BR" dirty="0">
+                <a:solidFill>
+                  <a:srgbClr val="FF0000"/>
+                </a:solidFill>
                 <a:latin typeface="Calibri" panose="020F0502020204030204" pitchFamily="34" charset="0"/>
                 <a:ea typeface="Calibri" panose="020F0502020204030204" pitchFamily="34" charset="0"/>
                 <a:cs typeface="Times New Roman" panose="02020603050405020304" pitchFamily="18" charset="0"/>
@@ -4999,6 +5426,9 @@
             </a:r>
             <a:r>
               <a:rPr lang="pt-BR" dirty="0" err="1">
+                <a:solidFill>
+                  <a:srgbClr val="FF0000"/>
+                </a:solidFill>
                 <a:latin typeface="Calibri" panose="020F0502020204030204" pitchFamily="34" charset="0"/>
                 <a:ea typeface="Calibri" panose="020F0502020204030204" pitchFamily="34" charset="0"/>
                 <a:cs typeface="Times New Roman" panose="02020603050405020304" pitchFamily="18" charset="0"/>
@@ -5007,11 +5437,22 @@
             </a:r>
             <a:r>
               <a:rPr lang="pt-BR" dirty="0">
-                <a:latin typeface="Calibri" panose="020F0502020204030204" pitchFamily="34" charset="0"/>
-                <a:ea typeface="Calibri" panose="020F0502020204030204" pitchFamily="34" charset="0"/>
-                <a:cs typeface="Times New Roman" panose="02020603050405020304" pitchFamily="18" charset="0"/>
-              </a:rPr>
-              <a:t> de dados utilizando arquivos parquet será utilizado o </a:t>
+                <a:solidFill>
+                  <a:srgbClr val="FF0000"/>
+                </a:solidFill>
+                <a:latin typeface="Calibri" panose="020F0502020204030204" pitchFamily="34" charset="0"/>
+                <a:ea typeface="Calibri" panose="020F0502020204030204" pitchFamily="34" charset="0"/>
+                <a:cs typeface="Times New Roman" panose="02020603050405020304" pitchFamily="18" charset="0"/>
+              </a:rPr>
+              <a:t> de dados utilizando arquivos parquet </a:t>
+            </a:r>
+            <a:r>
+              <a:rPr lang="pt-BR" dirty="0">
+                <a:latin typeface="Calibri" panose="020F0502020204030204" pitchFamily="34" charset="0"/>
+                <a:ea typeface="Calibri" panose="020F0502020204030204" pitchFamily="34" charset="0"/>
+                <a:cs typeface="Times New Roman" panose="02020603050405020304" pitchFamily="18" charset="0"/>
+              </a:rPr>
+              <a:t>será utilizado o </a:t>
             </a:r>
             <a:r>
               <a:rPr lang="pt-BR" dirty="0" err="1" smtClean="0">
@@ -5104,7 +5545,26 @@
                 <a:ea typeface="Calibri" panose="020F0502020204030204" pitchFamily="34" charset="0"/>
                 <a:cs typeface="Times New Roman" panose="02020603050405020304" pitchFamily="18" charset="0"/>
               </a:rPr>
-              <a:t>O processamento das 3 camadas serão executados às quartas e sextas-feiras às 20:00.</a:t>
+              <a:t>O processamento das 3 camadas serão </a:t>
+            </a:r>
+            <a:r>
+              <a:rPr lang="pt-BR" dirty="0">
+                <a:solidFill>
+                  <a:srgbClr val="FF0000"/>
+                </a:solidFill>
+                <a:latin typeface="Calibri" panose="020F0502020204030204" pitchFamily="34" charset="0"/>
+                <a:ea typeface="Calibri" panose="020F0502020204030204" pitchFamily="34" charset="0"/>
+                <a:cs typeface="Times New Roman" panose="02020603050405020304" pitchFamily="18" charset="0"/>
+              </a:rPr>
+              <a:t>executados às quartas e sextas-feiras às 20:00</a:t>
+            </a:r>
+            <a:r>
+              <a:rPr lang="pt-BR" dirty="0">
+                <a:latin typeface="Calibri" panose="020F0502020204030204" pitchFamily="34" charset="0"/>
+                <a:ea typeface="Calibri" panose="020F0502020204030204" pitchFamily="34" charset="0"/>
+                <a:cs typeface="Times New Roman" panose="02020603050405020304" pitchFamily="18" charset="0"/>
+              </a:rPr>
+              <a:t>.</a:t>
             </a:r>
             <a:endParaRPr lang="pt-BR" dirty="0">
               <a:effectLst/>

--- a/Pré-projeto bigDVarejoPMC.pptx
+++ b/Pré-projeto bigDVarejoPMC.pptx
@@ -3641,7 +3641,31 @@
                 <a:ea typeface="Calibri" panose="020F0502020204030204" pitchFamily="34" charset="0"/>
                 <a:cs typeface="Times New Roman" panose="02020603050405020304" pitchFamily="18" charset="0"/>
               </a:rPr>
-              <a:t>Pesquisar dados relativo à evolução de vendas no Brasil:</a:t>
+              <a:t>Pesquisar dados relativo à evolução de </a:t>
+            </a:r>
+            <a:r>
+              <a:rPr lang="pt-BR" b="1" dirty="0" smtClean="0">
+                <a:latin typeface="Calibri" panose="020F0502020204030204" pitchFamily="34" charset="0"/>
+                <a:ea typeface="Calibri" panose="020F0502020204030204" pitchFamily="34" charset="0"/>
+                <a:cs typeface="Times New Roman" panose="02020603050405020304" pitchFamily="18" charset="0"/>
+              </a:rPr>
+              <a:t>vendas </a:t>
+            </a:r>
+            <a:r>
+              <a:rPr lang="pt-BR" b="1" smtClean="0">
+                <a:latin typeface="Calibri" panose="020F0502020204030204" pitchFamily="34" charset="0"/>
+                <a:ea typeface="Calibri" panose="020F0502020204030204" pitchFamily="34" charset="0"/>
+                <a:cs typeface="Times New Roman" panose="02020603050405020304" pitchFamily="18" charset="0"/>
+              </a:rPr>
+              <a:t>do varejo </a:t>
+            </a:r>
+            <a:r>
+              <a:rPr lang="pt-BR" b="1" dirty="0">
+                <a:latin typeface="Calibri" panose="020F0502020204030204" pitchFamily="34" charset="0"/>
+                <a:ea typeface="Calibri" panose="020F0502020204030204" pitchFamily="34" charset="0"/>
+                <a:cs typeface="Times New Roman" panose="02020603050405020304" pitchFamily="18" charset="0"/>
+              </a:rPr>
+              <a:t>no Brasil:</a:t>
             </a:r>
           </a:p>
           <a:p>
@@ -4581,7 +4605,7 @@
               <a:t> sendo definido os nomes: </a:t>
             </a:r>
             <a:r>
-              <a:rPr lang="pt-BR" dirty="0">
+              <a:rPr lang="pt-BR" u="sng" dirty="0" smtClean="0">
                 <a:solidFill>
                   <a:srgbClr val="FF0000"/>
                 </a:solidFill>
@@ -4589,7 +4613,29 @@
                 <a:ea typeface="Calibri" panose="020F0502020204030204" pitchFamily="34" charset="0"/>
                 <a:cs typeface="Times New Roman" panose="02020603050405020304" pitchFamily="18" charset="0"/>
               </a:rPr>
-              <a:t>arquivosPMCcrawS3 (dados brutos .</a:t>
+              <a:t>arquivosPMCrawS3</a:t>
+            </a:r>
+            <a:r>
+              <a:rPr lang="pt-BR" dirty="0" smtClean="0">
+                <a:solidFill>
+                  <a:srgbClr val="FF0000"/>
+                </a:solidFill>
+                <a:latin typeface="Calibri" panose="020F0502020204030204" pitchFamily="34" charset="0"/>
+                <a:ea typeface="Calibri" panose="020F0502020204030204" pitchFamily="34" charset="0"/>
+                <a:cs typeface="Times New Roman" panose="02020603050405020304" pitchFamily="18" charset="0"/>
+              </a:rPr>
+              <a:t> </a:t>
+            </a:r>
+            <a:r>
+              <a:rPr lang="pt-BR" dirty="0">
+                <a:solidFill>
+                  <a:srgbClr val="FF0000"/>
+                </a:solidFill>
+                <a:latin typeface="Calibri" panose="020F0502020204030204" pitchFamily="34" charset="0"/>
+                <a:ea typeface="Calibri" panose="020F0502020204030204" pitchFamily="34" charset="0"/>
+                <a:cs typeface="Times New Roman" panose="02020603050405020304" pitchFamily="18" charset="0"/>
+              </a:rPr>
+              <a:t>(dados brutos .</a:t>
             </a:r>
             <a:r>
               <a:rPr lang="pt-BR" dirty="0" err="1">
@@ -6324,6 +6370,36 @@
           </a:p>
         </p:txBody>
       </p:sp>
+      <p:sp>
+        <p:nvSpPr>
+          <p:cNvPr id="2" name="CaixaDeTexto 1"/>
+          <p:cNvSpPr txBox="1"/>
+          <p:nvPr/>
+        </p:nvSpPr>
+        <p:spPr>
+          <a:xfrm>
+            <a:off x="-86498" y="902729"/>
+            <a:ext cx="2132635" cy="307777"/>
+          </a:xfrm>
+          <a:prstGeom prst="rect">
+            <a:avLst/>
+          </a:prstGeom>
+          <a:noFill/>
+        </p:spPr>
+        <p:txBody>
+          <a:bodyPr wrap="none" rtlCol="0">
+            <a:spAutoFit/>
+          </a:bodyPr>
+          <a:lstStyle/>
+          <a:p>
+            <a:r>
+              <a:rPr lang="pt-BR" sz="1400" dirty="0" smtClean="0"/>
+              <a:t>ESCOPO DA ARQUITETURA</a:t>
+            </a:r>
+            <a:endParaRPr lang="pt-BR" sz="1400" dirty="0"/>
+          </a:p>
+        </p:txBody>
+      </p:sp>
     </p:spTree>
     <p:extLst>
       <p:ext uri="{BB962C8B-B14F-4D97-AF65-F5344CB8AC3E}">

--- a/Pré-projeto bigDVarejoPMC.pptx
+++ b/Pré-projeto bigDVarejoPMC.pptx
@@ -249,7 +249,7 @@
           <a:p>
             <a:fld id="{6509040C-08D2-439A-9A6E-4A928F9CE01C}" type="datetimeFigureOut">
               <a:rPr lang="pt-BR" smtClean="0"/>
-              <a:t>12/07/2022</a:t>
+              <a:t>04/08/2022</a:t>
             </a:fld>
             <a:endParaRPr lang="pt-BR"/>
           </a:p>
@@ -419,7 +419,7 @@
           <a:p>
             <a:fld id="{6509040C-08D2-439A-9A6E-4A928F9CE01C}" type="datetimeFigureOut">
               <a:rPr lang="pt-BR" smtClean="0"/>
-              <a:t>12/07/2022</a:t>
+              <a:t>04/08/2022</a:t>
             </a:fld>
             <a:endParaRPr lang="pt-BR"/>
           </a:p>
@@ -599,7 +599,7 @@
           <a:p>
             <a:fld id="{6509040C-08D2-439A-9A6E-4A928F9CE01C}" type="datetimeFigureOut">
               <a:rPr lang="pt-BR" smtClean="0"/>
-              <a:t>12/07/2022</a:t>
+              <a:t>04/08/2022</a:t>
             </a:fld>
             <a:endParaRPr lang="pt-BR"/>
           </a:p>
@@ -769,7 +769,7 @@
           <a:p>
             <a:fld id="{6509040C-08D2-439A-9A6E-4A928F9CE01C}" type="datetimeFigureOut">
               <a:rPr lang="pt-BR" smtClean="0"/>
-              <a:t>12/07/2022</a:t>
+              <a:t>04/08/2022</a:t>
             </a:fld>
             <a:endParaRPr lang="pt-BR"/>
           </a:p>
@@ -1015,7 +1015,7 @@
           <a:p>
             <a:fld id="{6509040C-08D2-439A-9A6E-4A928F9CE01C}" type="datetimeFigureOut">
               <a:rPr lang="pt-BR" smtClean="0"/>
-              <a:t>12/07/2022</a:t>
+              <a:t>04/08/2022</a:t>
             </a:fld>
             <a:endParaRPr lang="pt-BR"/>
           </a:p>
@@ -1247,7 +1247,7 @@
           <a:p>
             <a:fld id="{6509040C-08D2-439A-9A6E-4A928F9CE01C}" type="datetimeFigureOut">
               <a:rPr lang="pt-BR" smtClean="0"/>
-              <a:t>12/07/2022</a:t>
+              <a:t>04/08/2022</a:t>
             </a:fld>
             <a:endParaRPr lang="pt-BR"/>
           </a:p>
@@ -1614,7 +1614,7 @@
           <a:p>
             <a:fld id="{6509040C-08D2-439A-9A6E-4A928F9CE01C}" type="datetimeFigureOut">
               <a:rPr lang="pt-BR" smtClean="0"/>
-              <a:t>12/07/2022</a:t>
+              <a:t>04/08/2022</a:t>
             </a:fld>
             <a:endParaRPr lang="pt-BR"/>
           </a:p>
@@ -1732,7 +1732,7 @@
           <a:p>
             <a:fld id="{6509040C-08D2-439A-9A6E-4A928F9CE01C}" type="datetimeFigureOut">
               <a:rPr lang="pt-BR" smtClean="0"/>
-              <a:t>12/07/2022</a:t>
+              <a:t>04/08/2022</a:t>
             </a:fld>
             <a:endParaRPr lang="pt-BR"/>
           </a:p>
@@ -1827,7 +1827,7 @@
           <a:p>
             <a:fld id="{6509040C-08D2-439A-9A6E-4A928F9CE01C}" type="datetimeFigureOut">
               <a:rPr lang="pt-BR" smtClean="0"/>
-              <a:t>12/07/2022</a:t>
+              <a:t>04/08/2022</a:t>
             </a:fld>
             <a:endParaRPr lang="pt-BR"/>
           </a:p>
@@ -2104,7 +2104,7 @@
           <a:p>
             <a:fld id="{6509040C-08D2-439A-9A6E-4A928F9CE01C}" type="datetimeFigureOut">
               <a:rPr lang="pt-BR" smtClean="0"/>
-              <a:t>12/07/2022</a:t>
+              <a:t>04/08/2022</a:t>
             </a:fld>
             <a:endParaRPr lang="pt-BR"/>
           </a:p>
@@ -2357,7 +2357,7 @@
           <a:p>
             <a:fld id="{6509040C-08D2-439A-9A6E-4A928F9CE01C}" type="datetimeFigureOut">
               <a:rPr lang="pt-BR" smtClean="0"/>
-              <a:t>12/07/2022</a:t>
+              <a:t>04/08/2022</a:t>
             </a:fld>
             <a:endParaRPr lang="pt-BR"/>
           </a:p>
@@ -2570,7 +2570,7 @@
           <a:p>
             <a:fld id="{6509040C-08D2-439A-9A6E-4A928F9CE01C}" type="datetimeFigureOut">
               <a:rPr lang="pt-BR" smtClean="0"/>
-              <a:t>12/07/2022</a:t>
+              <a:t>04/08/2022</a:t>
             </a:fld>
             <a:endParaRPr lang="pt-BR"/>
           </a:p>
@@ -4657,7 +4657,29 @@
                 <a:ea typeface="Calibri" panose="020F0502020204030204" pitchFamily="34" charset="0"/>
                 <a:cs typeface="Times New Roman" panose="02020603050405020304" pitchFamily="18" charset="0"/>
               </a:rPr>
-              <a:t>), arquivosPMCstagedS3 (dados transformados </a:t>
+              <a:t>), </a:t>
+            </a:r>
+            <a:r>
+              <a:rPr lang="pt-BR" dirty="0" smtClean="0">
+                <a:solidFill>
+                  <a:srgbClr val="FF0000"/>
+                </a:solidFill>
+                <a:latin typeface="Calibri" panose="020F0502020204030204" pitchFamily="34" charset="0"/>
+                <a:ea typeface="Calibri" panose="020F0502020204030204" pitchFamily="34" charset="0"/>
+                <a:cs typeface="Times New Roman" panose="02020603050405020304" pitchFamily="18" charset="0"/>
+              </a:rPr>
+              <a:t>arquivosPMCprocessedS3 </a:t>
+            </a:r>
+            <a:r>
+              <a:rPr lang="pt-BR" dirty="0">
+                <a:solidFill>
+                  <a:srgbClr val="FF0000"/>
+                </a:solidFill>
+                <a:latin typeface="Calibri" panose="020F0502020204030204" pitchFamily="34" charset="0"/>
+                <a:ea typeface="Calibri" panose="020F0502020204030204" pitchFamily="34" charset="0"/>
+                <a:cs typeface="Times New Roman" panose="02020603050405020304" pitchFamily="18" charset="0"/>
+              </a:rPr>
+              <a:t>(dados transformados </a:t>
             </a:r>
             <a:r>
               <a:rPr lang="pt-BR" dirty="0" err="1">
@@ -6306,9 +6328,73 @@
           <a:chExt cx="0" cy="0"/>
         </a:xfrm>
       </p:grpSpPr>
+      <p:sp>
+        <p:nvSpPr>
+          <p:cNvPr id="22" name="Título 1"/>
+          <p:cNvSpPr>
+            <a:spLocks noGrp="1"/>
+          </p:cNvSpPr>
+          <p:nvPr>
+            <p:ph type="ctrTitle"/>
+          </p:nvPr>
+        </p:nvSpPr>
+        <p:spPr>
+          <a:xfrm>
+            <a:off x="1561070" y="185352"/>
+            <a:ext cx="9144000" cy="902043"/>
+          </a:xfrm>
+        </p:spPr>
+        <p:txBody>
+          <a:bodyPr>
+            <a:normAutofit fontScale="90000"/>
+          </a:bodyPr>
+          <a:lstStyle/>
+          <a:p>
+            <a:r>
+              <a:rPr lang="pt-BR" b="1" dirty="0" smtClean="0"/>
+              <a:t>Pré-projeto </a:t>
+            </a:r>
+            <a:r>
+              <a:rPr lang="pt-BR" b="1" dirty="0" err="1" smtClean="0"/>
+              <a:t>bigDVarejoPMC</a:t>
+            </a:r>
+            <a:endParaRPr lang="pt-BR" b="1" dirty="0"/>
+          </a:p>
+        </p:txBody>
+      </p:sp>
+      <p:sp>
+        <p:nvSpPr>
+          <p:cNvPr id="2" name="CaixaDeTexto 1"/>
+          <p:cNvSpPr txBox="1"/>
+          <p:nvPr/>
+        </p:nvSpPr>
+        <p:spPr>
+          <a:xfrm>
+            <a:off x="-86498" y="902729"/>
+            <a:ext cx="2132635" cy="307777"/>
+          </a:xfrm>
+          <a:prstGeom prst="rect">
+            <a:avLst/>
+          </a:prstGeom>
+          <a:noFill/>
+        </p:spPr>
+        <p:txBody>
+          <a:bodyPr wrap="none" rtlCol="0">
+            <a:spAutoFit/>
+          </a:bodyPr>
+          <a:lstStyle/>
+          <a:p>
+            <a:r>
+              <a:rPr lang="pt-BR" sz="1400" dirty="0" smtClean="0"/>
+              <a:t>ESCOPO DA ARQUITETURA</a:t>
+            </a:r>
+            <a:endParaRPr lang="pt-BR" sz="1400" dirty="0"/>
+          </a:p>
+        </p:txBody>
+      </p:sp>
       <p:pic>
         <p:nvPicPr>
-          <p:cNvPr id="9" name="Imagem 8"/>
+          <p:cNvPr id="3" name="Imagem 2"/>
           <p:cNvPicPr>
             <a:picLocks noChangeAspect="1"/>
           </p:cNvPicPr>
@@ -6328,78 +6414,14 @@
         </p:blipFill>
         <p:spPr>
           <a:xfrm>
-            <a:off x="0" y="1173892"/>
-            <a:ext cx="12200266" cy="5684108"/>
+            <a:off x="0" y="1210505"/>
+            <a:ext cx="12192000" cy="5680257"/>
           </a:xfrm>
           <a:prstGeom prst="rect">
             <a:avLst/>
           </a:prstGeom>
         </p:spPr>
       </p:pic>
-      <p:sp>
-        <p:nvSpPr>
-          <p:cNvPr id="22" name="Título 1"/>
-          <p:cNvSpPr>
-            <a:spLocks noGrp="1"/>
-          </p:cNvSpPr>
-          <p:nvPr>
-            <p:ph type="ctrTitle"/>
-          </p:nvPr>
-        </p:nvSpPr>
-        <p:spPr>
-          <a:xfrm>
-            <a:off x="1561070" y="185352"/>
-            <a:ext cx="9144000" cy="902043"/>
-          </a:xfrm>
-        </p:spPr>
-        <p:txBody>
-          <a:bodyPr>
-            <a:normAutofit fontScale="90000"/>
-          </a:bodyPr>
-          <a:lstStyle/>
-          <a:p>
-            <a:r>
-              <a:rPr lang="pt-BR" b="1" dirty="0" smtClean="0"/>
-              <a:t>Pré-projeto </a:t>
-            </a:r>
-            <a:r>
-              <a:rPr lang="pt-BR" b="1" dirty="0" err="1" smtClean="0"/>
-              <a:t>bigDVarejoPMC</a:t>
-            </a:r>
-            <a:endParaRPr lang="pt-BR" b="1" dirty="0"/>
-          </a:p>
-        </p:txBody>
-      </p:sp>
-      <p:sp>
-        <p:nvSpPr>
-          <p:cNvPr id="2" name="CaixaDeTexto 1"/>
-          <p:cNvSpPr txBox="1"/>
-          <p:nvPr/>
-        </p:nvSpPr>
-        <p:spPr>
-          <a:xfrm>
-            <a:off x="-86498" y="902729"/>
-            <a:ext cx="2132635" cy="307777"/>
-          </a:xfrm>
-          <a:prstGeom prst="rect">
-            <a:avLst/>
-          </a:prstGeom>
-          <a:noFill/>
-        </p:spPr>
-        <p:txBody>
-          <a:bodyPr wrap="none" rtlCol="0">
-            <a:spAutoFit/>
-          </a:bodyPr>
-          <a:lstStyle/>
-          <a:p>
-            <a:r>
-              <a:rPr lang="pt-BR" sz="1400" dirty="0" smtClean="0"/>
-              <a:t>ESCOPO DA ARQUITETURA</a:t>
-            </a:r>
-            <a:endParaRPr lang="pt-BR" sz="1400" dirty="0"/>
-          </a:p>
-        </p:txBody>
-      </p:sp>
     </p:spTree>
     <p:extLst>
       <p:ext uri="{BB962C8B-B14F-4D97-AF65-F5344CB8AC3E}">
